--- a/src/lectures/android-activities/android-activities.pptx
+++ b/src/lectures/android-activities/android-activities.pptx
@@ -227,7 +227,7 @@
           <a:p>
             <a:fld id="{6D65E8AE-67CB-425F-A941-9EF2C260E158}" type="datetimeFigureOut">
               <a:rPr lang="sv-SE" smtClean="0"/>
-              <a:t>2020-01-13</a:t>
+              <a:t>2020-01-17</a:t>
             </a:fld>
             <a:endParaRPr lang="sv-SE"/>
           </a:p>
@@ -392,7 +392,7 @@
           <a:p>
             <a:fld id="{38366049-D807-473D-9795-762417EEF104}" type="datetimeFigureOut">
               <a:rPr lang="en-US" smtClean="0"/>
-              <a:t>1/13/2020</a:t>
+              <a:t>1/17/2020</a:t>
             </a:fld>
             <a:endParaRPr lang="en-US"/>
           </a:p>
@@ -785,7 +785,7 @@
           <a:p>
             <a:fld id="{428859CC-B640-4DB3-BB6F-301CDED75AAD}" type="datetimeFigureOut">
               <a:rPr lang="sv-SE" smtClean="0"/>
-              <a:t>2020-01-13</a:t>
+              <a:t>2020-01-17</a:t>
             </a:fld>
             <a:endParaRPr lang="sv-SE"/>
           </a:p>
@@ -1135,7 +1135,7 @@
           <a:p>
             <a:fld id="{428859CC-B640-4DB3-BB6F-301CDED75AAD}" type="datetimeFigureOut">
               <a:rPr lang="sv-SE" smtClean="0"/>
-              <a:t>2020-01-13</a:t>
+              <a:t>2020-01-17</a:t>
             </a:fld>
             <a:endParaRPr lang="sv-SE"/>
           </a:p>
@@ -1385,7 +1385,7 @@
           <a:p>
             <a:fld id="{428859CC-B640-4DB3-BB6F-301CDED75AAD}" type="datetimeFigureOut">
               <a:rPr lang="sv-SE" smtClean="0"/>
-              <a:t>2020-01-13</a:t>
+              <a:t>2020-01-17</a:t>
             </a:fld>
             <a:endParaRPr lang="sv-SE"/>
           </a:p>
@@ -1744,7 +1744,7 @@
           <a:p>
             <a:fld id="{428859CC-B640-4DB3-BB6F-301CDED75AAD}" type="datetimeFigureOut">
               <a:rPr lang="sv-SE" smtClean="0"/>
-              <a:t>2020-01-13</a:t>
+              <a:t>2020-01-17</a:t>
             </a:fld>
             <a:endParaRPr lang="sv-SE"/>
           </a:p>
@@ -2095,7 +2095,7 @@
           <a:p>
             <a:fld id="{428859CC-B640-4DB3-BB6F-301CDED75AAD}" type="datetimeFigureOut">
               <a:rPr lang="sv-SE" smtClean="0"/>
-              <a:t>2020-01-13</a:t>
+              <a:t>2020-01-17</a:t>
             </a:fld>
             <a:endParaRPr lang="sv-SE"/>
           </a:p>
@@ -2527,7 +2527,7 @@
           <a:p>
             <a:fld id="{428859CC-B640-4DB3-BB6F-301CDED75AAD}" type="datetimeFigureOut">
               <a:rPr lang="sv-SE" smtClean="0"/>
-              <a:t>2020-01-13</a:t>
+              <a:t>2020-01-17</a:t>
             </a:fld>
             <a:endParaRPr lang="sv-SE"/>
           </a:p>
@@ -2951,7 +2951,7 @@
           <a:p>
             <a:fld id="{428859CC-B640-4DB3-BB6F-301CDED75AAD}" type="datetimeFigureOut">
               <a:rPr lang="sv-SE" smtClean="0"/>
-              <a:t>2020-01-13</a:t>
+              <a:t>2020-01-17</a:t>
             </a:fld>
             <a:endParaRPr lang="sv-SE"/>
           </a:p>
@@ -3383,7 +3383,7 @@
           <a:p>
             <a:fld id="{428859CC-B640-4DB3-BB6F-301CDED75AAD}" type="datetimeFigureOut">
               <a:rPr lang="sv-SE" smtClean="0"/>
-              <a:t>2020-01-13</a:t>
+              <a:t>2020-01-17</a:t>
             </a:fld>
             <a:endParaRPr lang="sv-SE"/>
           </a:p>
@@ -3709,7 +3709,7 @@
           <a:p>
             <a:fld id="{428859CC-B640-4DB3-BB6F-301CDED75AAD}" type="datetimeFigureOut">
               <a:rPr lang="sv-SE" smtClean="0"/>
-              <a:t>2020-01-13</a:t>
+              <a:t>2020-01-17</a:t>
             </a:fld>
             <a:endParaRPr lang="sv-SE"/>
           </a:p>
@@ -3909,7 +3909,7 @@
           <a:p>
             <a:fld id="{428859CC-B640-4DB3-BB6F-301CDED75AAD}" type="datetimeFigureOut">
               <a:rPr lang="sv-SE" smtClean="0"/>
-              <a:t>2020-01-13</a:t>
+              <a:t>2020-01-17</a:t>
             </a:fld>
             <a:endParaRPr lang="sv-SE"/>
           </a:p>
@@ -4070,7 +4070,7 @@
           <a:p>
             <a:fld id="{428859CC-B640-4DB3-BB6F-301CDED75AAD}" type="datetimeFigureOut">
               <a:rPr lang="sv-SE" smtClean="0"/>
-              <a:t>2020-01-13</a:t>
+              <a:t>2020-01-17</a:t>
             </a:fld>
             <a:endParaRPr lang="sv-SE"/>
           </a:p>
@@ -4338,7 +4338,7 @@
           <a:p>
             <a:fld id="{428859CC-B640-4DB3-BB6F-301CDED75AAD}" type="datetimeFigureOut">
               <a:rPr lang="sv-SE" smtClean="0"/>
-              <a:t>2020-01-13</a:t>
+              <a:t>2020-01-17</a:t>
             </a:fld>
             <a:endParaRPr lang="sv-SE"/>
           </a:p>
@@ -4543,7 +4543,7 @@
           <a:p>
             <a:fld id="{428859CC-B640-4DB3-BB6F-301CDED75AAD}" type="datetimeFigureOut">
               <a:rPr lang="sv-SE" smtClean="0"/>
-              <a:t>2020-01-13</a:t>
+              <a:t>2020-01-17</a:t>
             </a:fld>
             <a:endParaRPr lang="sv-SE"/>
           </a:p>
@@ -4765,7 +4765,7 @@
           <a:p>
             <a:fld id="{428859CC-B640-4DB3-BB6F-301CDED75AAD}" type="datetimeFigureOut">
               <a:rPr lang="sv-SE" smtClean="0"/>
-              <a:t>2020-01-13</a:t>
+              <a:t>2020-01-17</a:t>
             </a:fld>
             <a:endParaRPr lang="sv-SE"/>
           </a:p>
@@ -4999,7 +4999,7 @@
           <a:p>
             <a:fld id="{428859CC-B640-4DB3-BB6F-301CDED75AAD}" type="datetimeFigureOut">
               <a:rPr lang="sv-SE" smtClean="0"/>
-              <a:t>2020-01-13</a:t>
+              <a:t>2020-01-17</a:t>
             </a:fld>
             <a:endParaRPr lang="sv-SE"/>
           </a:p>
@@ -5221,7 +5221,7 @@
           <a:p>
             <a:fld id="{428859CC-B640-4DB3-BB6F-301CDED75AAD}" type="datetimeFigureOut">
               <a:rPr lang="sv-SE" smtClean="0"/>
-              <a:t>2020-01-13</a:t>
+              <a:t>2020-01-17</a:t>
             </a:fld>
             <a:endParaRPr lang="sv-SE"/>
           </a:p>
@@ -5455,7 +5455,7 @@
           <a:p>
             <a:fld id="{428859CC-B640-4DB3-BB6F-301CDED75AAD}" type="datetimeFigureOut">
               <a:rPr lang="sv-SE" smtClean="0"/>
-              <a:t>2020-01-13</a:t>
+              <a:t>2020-01-17</a:t>
             </a:fld>
             <a:endParaRPr lang="sv-SE"/>
           </a:p>
@@ -5869,7 +5869,7 @@
           <a:p>
             <a:fld id="{428859CC-B640-4DB3-BB6F-301CDED75AAD}" type="datetimeFigureOut">
               <a:rPr lang="sv-SE" smtClean="0"/>
-              <a:t>2020-01-13</a:t>
+              <a:t>2020-01-17</a:t>
             </a:fld>
             <a:endParaRPr lang="sv-SE"/>
           </a:p>
@@ -6281,7 +6281,7 @@
           <a:p>
             <a:fld id="{428859CC-B640-4DB3-BB6F-301CDED75AAD}" type="datetimeFigureOut">
               <a:rPr lang="sv-SE" smtClean="0"/>
-              <a:t>2020-01-13</a:t>
+              <a:t>2020-01-17</a:t>
             </a:fld>
             <a:endParaRPr lang="sv-SE"/>
           </a:p>
@@ -6598,7 +6598,7 @@
           <a:p>
             <a:fld id="{428859CC-B640-4DB3-BB6F-301CDED75AAD}" type="datetimeFigureOut">
               <a:rPr lang="sv-SE" smtClean="0"/>
-              <a:t>2020-01-13</a:t>
+              <a:t>2020-01-17</a:t>
             </a:fld>
             <a:endParaRPr lang="sv-SE"/>
           </a:p>
@@ -6913,7 +6913,7 @@
           <a:p>
             <a:fld id="{428859CC-B640-4DB3-BB6F-301CDED75AAD}" type="datetimeFigureOut">
               <a:rPr lang="sv-SE" smtClean="0"/>
-              <a:t>2020-01-13</a:t>
+              <a:t>2020-01-17</a:t>
             </a:fld>
             <a:endParaRPr lang="sv-SE"/>
           </a:p>
@@ -7201,7 +7201,7 @@
           <a:p>
             <a:fld id="{428859CC-B640-4DB3-BB6F-301CDED75AAD}" type="datetimeFigureOut">
               <a:rPr lang="sv-SE" smtClean="0"/>
-              <a:t>2020-01-13</a:t>
+              <a:t>2020-01-17</a:t>
             </a:fld>
             <a:endParaRPr lang="sv-SE"/>
           </a:p>
@@ -7503,7 +7503,7 @@
           <a:p>
             <a:fld id="{428859CC-B640-4DB3-BB6F-301CDED75AAD}" type="datetimeFigureOut">
               <a:rPr lang="sv-SE" smtClean="0"/>
-              <a:t>2020-01-13</a:t>
+              <a:t>2020-01-17</a:t>
             </a:fld>
             <a:endParaRPr lang="sv-SE"/>
           </a:p>
@@ -7785,7 +7785,7 @@
           <a:p>
             <a:fld id="{428859CC-B640-4DB3-BB6F-301CDED75AAD}" type="datetimeFigureOut">
               <a:rPr lang="sv-SE" smtClean="0"/>
-              <a:t>2020-01-13</a:t>
+              <a:t>2020-01-17</a:t>
             </a:fld>
             <a:endParaRPr lang="sv-SE"/>
           </a:p>
@@ -23728,7 +23728,17 @@
               <a:rPr lang="en-US" dirty="0">
                 <a:latin typeface="Georgia" panose="02040502050405020303" pitchFamily="18" charset="0"/>
               </a:rPr>
-              <a:t>The activity does not need an </a:t>
+              <a:t>The </a:t>
+            </a:r>
+            <a:r>
+              <a:rPr lang="en-US" dirty="0"/>
+              <a:t>app component</a:t>
+            </a:r>
+            <a:r>
+              <a:rPr lang="en-US" dirty="0">
+                <a:latin typeface="Georgia" panose="02040502050405020303" pitchFamily="18" charset="0"/>
+              </a:rPr>
+              <a:t> does not need an </a:t>
             </a:r>
             <a:r>
               <a:rPr lang="en-US" dirty="0">
@@ -24679,7 +24689,7 @@
             <a:pPr lvl="1"/>
             <a:r>
               <a:rPr lang="en-US" dirty="0"/>
-              <a:t>The activity needs to use an </a:t>
+              <a:t>The app component needs to use an </a:t>
             </a:r>
             <a:r>
               <a:rPr lang="en-US" dirty="0">
